--- a/Project_4_pp.pptx
+++ b/Project_4_pp.pptx
@@ -111,7 +111,20 @@
       </a:defRPr>
     </a:lvl9pPr>
   </p:defaultTextStyle>
+  <p:extLst>
+    <p:ext uri="{EFAFB233-063F-42B5-8137-9DF3F51BA10A}">
+      <p15:sldGuideLst xmlns:p15="http://schemas.microsoft.com/office/powerpoint/2012/main"/>
+    </p:ext>
+  </p:extLst>
 </p:presentation>
+</file>
+
+<file path=ppt/revisionInfo.xml><?xml version="1.0" encoding="utf-8"?>
+<p1510:revInfo xmlns:a="http://schemas.openxmlformats.org/drawingml/2006/main" xmlns:r="http://schemas.openxmlformats.org/officeDocument/2006/relationships" xmlns:p1510="http://schemas.microsoft.com/office/powerpoint/2015/10/main">
+  <p1510:revLst>
+    <p1510:client id="{7FD51D4B-1C7D-4770-A50C-E0B3369996AD}" v="21" dt="2022-12-14T04:34:34.956"/>
+  </p1510:revLst>
+</p1510:revInfo>
 </file>
 
 <file path=ppt/changesInfos/changesInfo1.xml><?xml version="1.0" encoding="utf-8"?>
@@ -119,10 +132,71 @@
   <pc:docChgLst>
     <pc:chgData name="Danny Bruzzese" userId="9fa2c057e1d3c9e3" providerId="LiveId" clId="{7FD51D4B-1C7D-4770-A50C-E0B3369996AD}"/>
     <pc:docChg chg="undo custSel addSld modSld">
-      <pc:chgData name="Danny Bruzzese" userId="9fa2c057e1d3c9e3" providerId="LiveId" clId="{7FD51D4B-1C7D-4770-A50C-E0B3369996AD}" dt="2022-12-14T04:26:03.639" v="352" actId="2711"/>
+      <pc:chgData name="Danny Bruzzese" userId="9fa2c057e1d3c9e3" providerId="LiveId" clId="{7FD51D4B-1C7D-4770-A50C-E0B3369996AD}" dt="2022-12-14T04:34:34.956" v="383" actId="1076"/>
       <pc:docMkLst>
         <pc:docMk/>
       </pc:docMkLst>
+      <pc:sldChg chg="addSp modSp">
+        <pc:chgData name="Danny Bruzzese" userId="9fa2c057e1d3c9e3" providerId="LiveId" clId="{7FD51D4B-1C7D-4770-A50C-E0B3369996AD}" dt="2022-12-14T04:30:35.981" v="357" actId="1076"/>
+        <pc:sldMkLst>
+          <pc:docMk/>
+          <pc:sldMk cId="351264059" sldId="256"/>
+        </pc:sldMkLst>
+        <pc:picChg chg="add mod">
+          <ac:chgData name="Danny Bruzzese" userId="9fa2c057e1d3c9e3" providerId="LiveId" clId="{7FD51D4B-1C7D-4770-A50C-E0B3369996AD}" dt="2022-12-14T04:30:35.981" v="357" actId="1076"/>
+          <ac:picMkLst>
+            <pc:docMk/>
+            <pc:sldMk cId="351264059" sldId="256"/>
+            <ac:picMk id="1026" creationId="{BF4FBA58-2614-8FC6-4420-B8468C51C3E2}"/>
+          </ac:picMkLst>
+        </pc:picChg>
+      </pc:sldChg>
+      <pc:sldChg chg="addSp modSp mod">
+        <pc:chgData name="Danny Bruzzese" userId="9fa2c057e1d3c9e3" providerId="LiveId" clId="{7FD51D4B-1C7D-4770-A50C-E0B3369996AD}" dt="2022-12-14T04:31:37.104" v="361" actId="1076"/>
+        <pc:sldMkLst>
+          <pc:docMk/>
+          <pc:sldMk cId="3363220871" sldId="257"/>
+        </pc:sldMkLst>
+        <pc:spChg chg="mod">
+          <ac:chgData name="Danny Bruzzese" userId="9fa2c057e1d3c9e3" providerId="LiveId" clId="{7FD51D4B-1C7D-4770-A50C-E0B3369996AD}" dt="2022-12-14T04:30:42.871" v="358" actId="1076"/>
+          <ac:spMkLst>
+            <pc:docMk/>
+            <pc:sldMk cId="3363220871" sldId="257"/>
+            <ac:spMk id="3" creationId="{1EB2D08C-C898-AFFE-816E-DC535B285260}"/>
+          </ac:spMkLst>
+        </pc:spChg>
+        <pc:picChg chg="add mod">
+          <ac:chgData name="Danny Bruzzese" userId="9fa2c057e1d3c9e3" providerId="LiveId" clId="{7FD51D4B-1C7D-4770-A50C-E0B3369996AD}" dt="2022-12-14T04:31:37.104" v="361" actId="1076"/>
+          <ac:picMkLst>
+            <pc:docMk/>
+            <pc:sldMk cId="3363220871" sldId="257"/>
+            <ac:picMk id="2050" creationId="{AABA3B5C-1D4D-D928-3AC6-BB1C18D63B26}"/>
+          </ac:picMkLst>
+        </pc:picChg>
+      </pc:sldChg>
+      <pc:sldChg chg="addSp modSp mod">
+        <pc:chgData name="Danny Bruzzese" userId="9fa2c057e1d3c9e3" providerId="LiveId" clId="{7FD51D4B-1C7D-4770-A50C-E0B3369996AD}" dt="2022-12-14T04:32:00.821" v="364" actId="1076"/>
+        <pc:sldMkLst>
+          <pc:docMk/>
+          <pc:sldMk cId="82654426" sldId="258"/>
+        </pc:sldMkLst>
+        <pc:spChg chg="mod">
+          <ac:chgData name="Danny Bruzzese" userId="9fa2c057e1d3c9e3" providerId="LiveId" clId="{7FD51D4B-1C7D-4770-A50C-E0B3369996AD}" dt="2022-12-14T04:31:47.357" v="362" actId="1076"/>
+          <ac:spMkLst>
+            <pc:docMk/>
+            <pc:sldMk cId="82654426" sldId="258"/>
+            <ac:spMk id="3" creationId="{99188A2D-E3B2-5262-24B7-AC82F87EC298}"/>
+          </ac:spMkLst>
+        </pc:spChg>
+        <pc:picChg chg="add mod">
+          <ac:chgData name="Danny Bruzzese" userId="9fa2c057e1d3c9e3" providerId="LiveId" clId="{7FD51D4B-1C7D-4770-A50C-E0B3369996AD}" dt="2022-12-14T04:32:00.821" v="364" actId="1076"/>
+          <ac:picMkLst>
+            <pc:docMk/>
+            <pc:sldMk cId="82654426" sldId="258"/>
+            <ac:picMk id="3074" creationId="{D49BA966-E3ED-60C8-C439-17872217B4FE}"/>
+          </ac:picMkLst>
+        </pc:picChg>
+      </pc:sldChg>
       <pc:sldChg chg="modSp mod">
         <pc:chgData name="Danny Bruzzese" userId="9fa2c057e1d3c9e3" providerId="LiveId" clId="{7FD51D4B-1C7D-4770-A50C-E0B3369996AD}" dt="2022-12-14T04:21:12.502" v="2" actId="14100"/>
         <pc:sldMkLst>
@@ -138,8 +212,8 @@
           </ac:picMkLst>
         </pc:picChg>
       </pc:sldChg>
-      <pc:sldChg chg="modSp mod">
-        <pc:chgData name="Danny Bruzzese" userId="9fa2c057e1d3c9e3" providerId="LiveId" clId="{7FD51D4B-1C7D-4770-A50C-E0B3369996AD}" dt="2022-12-14T04:22:37.763" v="80" actId="20577"/>
+      <pc:sldChg chg="addSp modSp mod">
+        <pc:chgData name="Danny Bruzzese" userId="9fa2c057e1d3c9e3" providerId="LiveId" clId="{7FD51D4B-1C7D-4770-A50C-E0B3369996AD}" dt="2022-12-14T04:32:42.301" v="367" actId="1076"/>
         <pc:sldMkLst>
           <pc:docMk/>
           <pc:sldMk cId="2014187926" sldId="260"/>
@@ -153,16 +227,24 @@
           </ac:spMkLst>
         </pc:spChg>
         <pc:spChg chg="mod">
-          <ac:chgData name="Danny Bruzzese" userId="9fa2c057e1d3c9e3" providerId="LiveId" clId="{7FD51D4B-1C7D-4770-A50C-E0B3369996AD}" dt="2022-12-14T04:22:37.763" v="80" actId="20577"/>
+          <ac:chgData name="Danny Bruzzese" userId="9fa2c057e1d3c9e3" providerId="LiveId" clId="{7FD51D4B-1C7D-4770-A50C-E0B3369996AD}" dt="2022-12-14T04:32:17.522" v="365" actId="1076"/>
           <ac:spMkLst>
             <pc:docMk/>
             <pc:sldMk cId="2014187926" sldId="260"/>
             <ac:spMk id="3" creationId="{BD620571-4950-928F-A243-C1D717FFB2B7}"/>
           </ac:spMkLst>
         </pc:spChg>
+        <pc:picChg chg="add mod">
+          <ac:chgData name="Danny Bruzzese" userId="9fa2c057e1d3c9e3" providerId="LiveId" clId="{7FD51D4B-1C7D-4770-A50C-E0B3369996AD}" dt="2022-12-14T04:32:42.301" v="367" actId="1076"/>
+          <ac:picMkLst>
+            <pc:docMk/>
+            <pc:sldMk cId="2014187926" sldId="260"/>
+            <ac:picMk id="4098" creationId="{B68EAA69-722D-EE53-1F31-A5EC61131592}"/>
+          </ac:picMkLst>
+        </pc:picChg>
       </pc:sldChg>
-      <pc:sldChg chg="modSp mod">
-        <pc:chgData name="Danny Bruzzese" userId="9fa2c057e1d3c9e3" providerId="LiveId" clId="{7FD51D4B-1C7D-4770-A50C-E0B3369996AD}" dt="2022-12-14T04:23:06.022" v="122" actId="20577"/>
+      <pc:sldChg chg="addSp modSp mod">
+        <pc:chgData name="Danny Bruzzese" userId="9fa2c057e1d3c9e3" providerId="LiveId" clId="{7FD51D4B-1C7D-4770-A50C-E0B3369996AD}" dt="2022-12-14T04:33:09.399" v="373" actId="1076"/>
         <pc:sldMkLst>
           <pc:docMk/>
           <pc:sldMk cId="3110140456" sldId="261"/>
@@ -176,16 +258,24 @@
           </ac:spMkLst>
         </pc:spChg>
         <pc:spChg chg="mod">
-          <ac:chgData name="Danny Bruzzese" userId="9fa2c057e1d3c9e3" providerId="LiveId" clId="{7FD51D4B-1C7D-4770-A50C-E0B3369996AD}" dt="2022-12-14T04:23:06.022" v="122" actId="20577"/>
+          <ac:chgData name="Danny Bruzzese" userId="9fa2c057e1d3c9e3" providerId="LiveId" clId="{7FD51D4B-1C7D-4770-A50C-E0B3369996AD}" dt="2022-12-14T04:32:53.872" v="370" actId="1076"/>
           <ac:spMkLst>
             <pc:docMk/>
             <pc:sldMk cId="3110140456" sldId="261"/>
             <ac:spMk id="3" creationId="{7D7870FE-64A6-0E11-721D-8E7778CFC914}"/>
           </ac:spMkLst>
         </pc:spChg>
+        <pc:picChg chg="add mod">
+          <ac:chgData name="Danny Bruzzese" userId="9fa2c057e1d3c9e3" providerId="LiveId" clId="{7FD51D4B-1C7D-4770-A50C-E0B3369996AD}" dt="2022-12-14T04:33:09.399" v="373" actId="1076"/>
+          <ac:picMkLst>
+            <pc:docMk/>
+            <pc:sldMk cId="3110140456" sldId="261"/>
+            <ac:picMk id="5122" creationId="{30C29E9F-A084-AF41-DB2B-90C2FD72F184}"/>
+          </ac:picMkLst>
+        </pc:picChg>
       </pc:sldChg>
-      <pc:sldChg chg="modSp mod">
-        <pc:chgData name="Danny Bruzzese" userId="9fa2c057e1d3c9e3" providerId="LiveId" clId="{7FD51D4B-1C7D-4770-A50C-E0B3369996AD}" dt="2022-12-14T04:24:24.376" v="266" actId="20577"/>
+      <pc:sldChg chg="addSp modSp mod">
+        <pc:chgData name="Danny Bruzzese" userId="9fa2c057e1d3c9e3" providerId="LiveId" clId="{7FD51D4B-1C7D-4770-A50C-E0B3369996AD}" dt="2022-12-14T04:33:33.919" v="377" actId="1076"/>
         <pc:sldMkLst>
           <pc:docMk/>
           <pc:sldMk cId="3810266696" sldId="262"/>
@@ -199,16 +289,24 @@
           </ac:spMkLst>
         </pc:spChg>
         <pc:spChg chg="mod">
-          <ac:chgData name="Danny Bruzzese" userId="9fa2c057e1d3c9e3" providerId="LiveId" clId="{7FD51D4B-1C7D-4770-A50C-E0B3369996AD}" dt="2022-12-14T04:24:24.376" v="266" actId="20577"/>
+          <ac:chgData name="Danny Bruzzese" userId="9fa2c057e1d3c9e3" providerId="LiveId" clId="{7FD51D4B-1C7D-4770-A50C-E0B3369996AD}" dt="2022-12-14T04:33:15.297" v="374" actId="1076"/>
           <ac:spMkLst>
             <pc:docMk/>
             <pc:sldMk cId="3810266696" sldId="262"/>
             <ac:spMk id="3" creationId="{2EFB7437-5D33-7A46-F6E7-B82DEF22C240}"/>
           </ac:spMkLst>
         </pc:spChg>
+        <pc:picChg chg="add mod">
+          <ac:chgData name="Danny Bruzzese" userId="9fa2c057e1d3c9e3" providerId="LiveId" clId="{7FD51D4B-1C7D-4770-A50C-E0B3369996AD}" dt="2022-12-14T04:33:33.919" v="377" actId="1076"/>
+          <ac:picMkLst>
+            <pc:docMk/>
+            <pc:sldMk cId="3810266696" sldId="262"/>
+            <ac:picMk id="6146" creationId="{7E453345-C957-3626-BA7C-CA0DEA82D977}"/>
+          </ac:picMkLst>
+        </pc:picChg>
       </pc:sldChg>
-      <pc:sldChg chg="modSp new mod">
-        <pc:chgData name="Danny Bruzzese" userId="9fa2c057e1d3c9e3" providerId="LiveId" clId="{7FD51D4B-1C7D-4770-A50C-E0B3369996AD}" dt="2022-12-14T04:26:03.639" v="352" actId="2711"/>
+      <pc:sldChg chg="addSp modSp new mod">
+        <pc:chgData name="Danny Bruzzese" userId="9fa2c057e1d3c9e3" providerId="LiveId" clId="{7FD51D4B-1C7D-4770-A50C-E0B3369996AD}" dt="2022-12-14T04:34:34.956" v="383" actId="1076"/>
         <pc:sldMkLst>
           <pc:docMk/>
           <pc:sldMk cId="3393085789" sldId="263"/>
@@ -222,13 +320,21 @@
           </ac:spMkLst>
         </pc:spChg>
         <pc:spChg chg="mod">
-          <ac:chgData name="Danny Bruzzese" userId="9fa2c057e1d3c9e3" providerId="LiveId" clId="{7FD51D4B-1C7D-4770-A50C-E0B3369996AD}" dt="2022-12-14T04:26:03.639" v="352" actId="2711"/>
+          <ac:chgData name="Danny Bruzzese" userId="9fa2c057e1d3c9e3" providerId="LiveId" clId="{7FD51D4B-1C7D-4770-A50C-E0B3369996AD}" dt="2022-12-14T04:33:47.446" v="380" actId="14100"/>
           <ac:spMkLst>
             <pc:docMk/>
             <pc:sldMk cId="3393085789" sldId="263"/>
             <ac:spMk id="3" creationId="{094398F3-5F76-FA22-217A-BEA96C9A2C32}"/>
           </ac:spMkLst>
         </pc:spChg>
+        <pc:picChg chg="add mod">
+          <ac:chgData name="Danny Bruzzese" userId="9fa2c057e1d3c9e3" providerId="LiveId" clId="{7FD51D4B-1C7D-4770-A50C-E0B3369996AD}" dt="2022-12-14T04:34:34.956" v="383" actId="1076"/>
+          <ac:picMkLst>
+            <pc:docMk/>
+            <pc:sldMk cId="3393085789" sldId="263"/>
+            <ac:picMk id="7170" creationId="{542578E8-62A7-4201-E690-CD447FC76281}"/>
+          </ac:picMkLst>
+        </pc:picChg>
       </pc:sldChg>
     </pc:docChg>
   </pc:docChgLst>
@@ -4676,6 +4782,53 @@
           </a:p>
         </p:txBody>
       </p:sp>
+      <p:pic>
+        <p:nvPicPr>
+          <p:cNvPr id="1026" name="Picture 2" descr="See the source image">
+            <a:extLst>
+              <a:ext uri="{FF2B5EF4-FFF2-40B4-BE49-F238E27FC236}">
+                <a16:creationId xmlns:a16="http://schemas.microsoft.com/office/drawing/2014/main" id="{BF4FBA58-2614-8FC6-4420-B8468C51C3E2}"/>
+              </a:ext>
+            </a:extLst>
+          </p:cNvPr>
+          <p:cNvPicPr>
+            <a:picLocks noChangeAspect="1" noChangeArrowheads="1"/>
+          </p:cNvPicPr>
+          <p:nvPr/>
+        </p:nvPicPr>
+        <p:blipFill>
+          <a:blip r:embed="rId2">
+            <a:extLst>
+              <a:ext uri="{28A0092B-C50C-407E-A947-70E740481C1C}">
+                <a14:useLocalDpi xmlns:a14="http://schemas.microsoft.com/office/drawing/2010/main" val="0"/>
+              </a:ext>
+            </a:extLst>
+          </a:blip>
+          <a:srcRect/>
+          <a:stretch>
+            <a:fillRect/>
+          </a:stretch>
+        </p:blipFill>
+        <p:spPr bwMode="auto">
+          <a:xfrm>
+            <a:off x="9207111" y="1715755"/>
+            <a:ext cx="2872594" cy="3586591"/>
+          </a:xfrm>
+          <a:prstGeom prst="rect">
+            <a:avLst/>
+          </a:prstGeom>
+          <a:noFill/>
+          <a:extLst>
+            <a:ext uri="{909E8E84-426E-40DD-AFC4-6F175D3DCCD1}">
+              <a14:hiddenFill xmlns:a14="http://schemas.microsoft.com/office/drawing/2010/main">
+                <a:solidFill>
+                  <a:srgbClr val="FFFFFF"/>
+                </a:solidFill>
+              </a14:hiddenFill>
+            </a:ext>
+          </a:extLst>
+        </p:spPr>
+      </p:pic>
     </p:spTree>
     <p:extLst>
       <p:ext uri="{BB962C8B-B14F-4D97-AF65-F5344CB8AC3E}">
@@ -4752,7 +4905,7 @@
         </p:nvSpPr>
         <p:spPr>
           <a:xfrm>
-            <a:off x="2611808" y="1999812"/>
+            <a:off x="2611808" y="1486465"/>
             <a:ext cx="7796540" cy="2972903"/>
           </a:xfrm>
         </p:spPr>
@@ -4791,6 +4944,53 @@
           </a:p>
         </p:txBody>
       </p:sp>
+      <p:pic>
+        <p:nvPicPr>
+          <p:cNvPr id="2050" name="Picture 2" descr="Image result for Quokka Island">
+            <a:extLst>
+              <a:ext uri="{FF2B5EF4-FFF2-40B4-BE49-F238E27FC236}">
+                <a16:creationId xmlns:a16="http://schemas.microsoft.com/office/drawing/2014/main" id="{AABA3B5C-1D4D-D928-3AC6-BB1C18D63B26}"/>
+              </a:ext>
+            </a:extLst>
+          </p:cNvPr>
+          <p:cNvPicPr>
+            <a:picLocks noChangeAspect="1" noChangeArrowheads="1"/>
+          </p:cNvPicPr>
+          <p:nvPr/>
+        </p:nvPicPr>
+        <p:blipFill>
+          <a:blip r:embed="rId2">
+            <a:extLst>
+              <a:ext uri="{28A0092B-C50C-407E-A947-70E740481C1C}">
+                <a14:useLocalDpi xmlns:a14="http://schemas.microsoft.com/office/drawing/2010/main" val="0"/>
+              </a:ext>
+            </a:extLst>
+          </a:blip>
+          <a:srcRect/>
+          <a:stretch>
+            <a:fillRect/>
+          </a:stretch>
+        </p:blipFill>
+        <p:spPr bwMode="auto">
+          <a:xfrm>
+            <a:off x="4878304" y="4459368"/>
+            <a:ext cx="2114550" cy="2228850"/>
+          </a:xfrm>
+          <a:prstGeom prst="rect">
+            <a:avLst/>
+          </a:prstGeom>
+          <a:noFill/>
+          <a:extLst>
+            <a:ext uri="{909E8E84-426E-40DD-AFC4-6F175D3DCCD1}">
+              <a14:hiddenFill xmlns:a14="http://schemas.microsoft.com/office/drawing/2010/main">
+                <a:solidFill>
+                  <a:srgbClr val="FFFFFF"/>
+                </a:solidFill>
+              </a14:hiddenFill>
+            </a:ext>
+          </a:extLst>
+        </p:spPr>
+      </p:pic>
     </p:spTree>
     <p:extLst>
       <p:ext uri="{BB962C8B-B14F-4D97-AF65-F5344CB8AC3E}">
@@ -4865,7 +5065,12 @@
             <p:ph idx="1"/>
           </p:nvPr>
         </p:nvSpPr>
-        <p:spPr/>
+        <p:spPr>
+          <a:xfrm>
+            <a:off x="1783652" y="974888"/>
+            <a:ext cx="7796540" cy="3997828"/>
+          </a:xfrm>
+        </p:spPr>
         <p:txBody>
           <a:bodyPr/>
           <a:lstStyle/>
@@ -4889,6 +5094,53 @@
           </a:p>
         </p:txBody>
       </p:sp>
+      <p:pic>
+        <p:nvPicPr>
+          <p:cNvPr id="3074" name="Picture 2" descr="See the source image">
+            <a:extLst>
+              <a:ext uri="{FF2B5EF4-FFF2-40B4-BE49-F238E27FC236}">
+                <a16:creationId xmlns:a16="http://schemas.microsoft.com/office/drawing/2014/main" id="{D49BA966-E3ED-60C8-C439-17872217B4FE}"/>
+              </a:ext>
+            </a:extLst>
+          </p:cNvPr>
+          <p:cNvPicPr>
+            <a:picLocks noChangeAspect="1" noChangeArrowheads="1"/>
+          </p:cNvPicPr>
+          <p:nvPr/>
+        </p:nvPicPr>
+        <p:blipFill>
+          <a:blip r:embed="rId2">
+            <a:extLst>
+              <a:ext uri="{28A0092B-C50C-407E-A947-70E740481C1C}">
+                <a14:useLocalDpi xmlns:a14="http://schemas.microsoft.com/office/drawing/2010/main" val="0"/>
+              </a:ext>
+            </a:extLst>
+          </a:blip>
+          <a:srcRect/>
+          <a:stretch>
+            <a:fillRect/>
+          </a:stretch>
+        </p:blipFill>
+        <p:spPr bwMode="auto">
+          <a:xfrm>
+            <a:off x="6790322" y="2478069"/>
+            <a:ext cx="4514850" cy="3571875"/>
+          </a:xfrm>
+          <a:prstGeom prst="rect">
+            <a:avLst/>
+          </a:prstGeom>
+          <a:noFill/>
+          <a:extLst>
+            <a:ext uri="{909E8E84-426E-40DD-AFC4-6F175D3DCCD1}">
+              <a14:hiddenFill xmlns:a14="http://schemas.microsoft.com/office/drawing/2010/main">
+                <a:solidFill>
+                  <a:srgbClr val="FFFFFF"/>
+                </a:solidFill>
+              </a14:hiddenFill>
+            </a:ext>
+          </a:extLst>
+        </p:spPr>
+      </p:pic>
     </p:spTree>
     <p:extLst>
       <p:ext uri="{BB962C8B-B14F-4D97-AF65-F5344CB8AC3E}">
@@ -5050,7 +5302,12 @@
             <p:ph idx="1"/>
           </p:nvPr>
         </p:nvSpPr>
-        <p:spPr/>
+        <p:spPr>
+          <a:xfrm>
+            <a:off x="1783652" y="808056"/>
+            <a:ext cx="7796540" cy="3997828"/>
+          </a:xfrm>
+        </p:spPr>
         <p:txBody>
           <a:bodyPr/>
           <a:lstStyle/>
@@ -5103,6 +5360,53 @@
           </a:p>
         </p:txBody>
       </p:sp>
+      <p:pic>
+        <p:nvPicPr>
+          <p:cNvPr id="4098" name="Picture 2" descr="See the source image">
+            <a:extLst>
+              <a:ext uri="{FF2B5EF4-FFF2-40B4-BE49-F238E27FC236}">
+                <a16:creationId xmlns:a16="http://schemas.microsoft.com/office/drawing/2014/main" id="{B68EAA69-722D-EE53-1F31-A5EC61131592}"/>
+              </a:ext>
+            </a:extLst>
+          </p:cNvPr>
+          <p:cNvPicPr>
+            <a:picLocks noChangeAspect="1" noChangeArrowheads="1"/>
+          </p:cNvPicPr>
+          <p:nvPr/>
+        </p:nvPicPr>
+        <p:blipFill>
+          <a:blip r:embed="rId2">
+            <a:extLst>
+              <a:ext uri="{28A0092B-C50C-407E-A947-70E740481C1C}">
+                <a14:useLocalDpi xmlns:a14="http://schemas.microsoft.com/office/drawing/2010/main" val="0"/>
+              </a:ext>
+            </a:extLst>
+          </a:blip>
+          <a:srcRect/>
+          <a:stretch>
+            <a:fillRect/>
+          </a:stretch>
+        </p:blipFill>
+        <p:spPr bwMode="auto">
+          <a:xfrm>
+            <a:off x="6232358" y="3258216"/>
+            <a:ext cx="4572000" cy="3429000"/>
+          </a:xfrm>
+          <a:prstGeom prst="rect">
+            <a:avLst/>
+          </a:prstGeom>
+          <a:noFill/>
+          <a:extLst>
+            <a:ext uri="{909E8E84-426E-40DD-AFC4-6F175D3DCCD1}">
+              <a14:hiddenFill xmlns:a14="http://schemas.microsoft.com/office/drawing/2010/main">
+                <a:solidFill>
+                  <a:srgbClr val="FFFFFF"/>
+                </a:solidFill>
+              </a14:hiddenFill>
+            </a:ext>
+          </a:extLst>
+        </p:spPr>
+      </p:pic>
     </p:spTree>
     <p:extLst>
       <p:ext uri="{BB962C8B-B14F-4D97-AF65-F5344CB8AC3E}">
@@ -5177,7 +5481,12 @@
             <p:ph idx="1"/>
           </p:nvPr>
         </p:nvSpPr>
-        <p:spPr/>
+        <p:spPr>
+          <a:xfrm>
+            <a:off x="3304673" y="2099107"/>
+            <a:ext cx="4089128" cy="1796379"/>
+          </a:xfrm>
+        </p:spPr>
         <p:txBody>
           <a:bodyPr/>
           <a:lstStyle/>
@@ -5189,6 +5498,53 @@
           </a:p>
         </p:txBody>
       </p:sp>
+      <p:pic>
+        <p:nvPicPr>
+          <p:cNvPr id="5122" name="Picture 2" descr="See the source image">
+            <a:extLst>
+              <a:ext uri="{FF2B5EF4-FFF2-40B4-BE49-F238E27FC236}">
+                <a16:creationId xmlns:a16="http://schemas.microsoft.com/office/drawing/2014/main" id="{30C29E9F-A084-AF41-DB2B-90C2FD72F184}"/>
+              </a:ext>
+            </a:extLst>
+          </p:cNvPr>
+          <p:cNvPicPr>
+            <a:picLocks noChangeAspect="1" noChangeArrowheads="1"/>
+          </p:cNvPicPr>
+          <p:nvPr/>
+        </p:nvPicPr>
+        <p:blipFill>
+          <a:blip r:embed="rId2">
+            <a:extLst>
+              <a:ext uri="{28A0092B-C50C-407E-A947-70E740481C1C}">
+                <a14:useLocalDpi xmlns:a14="http://schemas.microsoft.com/office/drawing/2010/main" val="0"/>
+              </a:ext>
+            </a:extLst>
+          </a:blip>
+          <a:srcRect/>
+          <a:stretch>
+            <a:fillRect/>
+          </a:stretch>
+        </p:blipFill>
+        <p:spPr bwMode="auto">
+          <a:xfrm>
+            <a:off x="3304673" y="3285285"/>
+            <a:ext cx="5550568" cy="3122195"/>
+          </a:xfrm>
+          <a:prstGeom prst="rect">
+            <a:avLst/>
+          </a:prstGeom>
+          <a:noFill/>
+          <a:extLst>
+            <a:ext uri="{909E8E84-426E-40DD-AFC4-6F175D3DCCD1}">
+              <a14:hiddenFill xmlns:a14="http://schemas.microsoft.com/office/drawing/2010/main">
+                <a:solidFill>
+                  <a:srgbClr val="FFFFFF"/>
+                </a:solidFill>
+              </a14:hiddenFill>
+            </a:ext>
+          </a:extLst>
+        </p:spPr>
+      </p:pic>
     </p:spTree>
     <p:extLst>
       <p:ext uri="{BB962C8B-B14F-4D97-AF65-F5344CB8AC3E}">
@@ -5263,7 +5619,12 @@
             <p:ph idx="1"/>
           </p:nvPr>
         </p:nvSpPr>
-        <p:spPr/>
+        <p:spPr>
+          <a:xfrm>
+            <a:off x="1621861" y="1346670"/>
+            <a:ext cx="7796540" cy="3997828"/>
+          </a:xfrm>
+        </p:spPr>
         <p:txBody>
           <a:bodyPr/>
           <a:lstStyle/>
@@ -5293,6 +5654,53 @@
           </a:p>
         </p:txBody>
       </p:sp>
+      <p:pic>
+        <p:nvPicPr>
+          <p:cNvPr id="6146" name="Picture 2" descr="See the source image">
+            <a:extLst>
+              <a:ext uri="{FF2B5EF4-FFF2-40B4-BE49-F238E27FC236}">
+                <a16:creationId xmlns:a16="http://schemas.microsoft.com/office/drawing/2014/main" id="{7E453345-C957-3626-BA7C-CA0DEA82D977}"/>
+              </a:ext>
+            </a:extLst>
+          </p:cNvPr>
+          <p:cNvPicPr>
+            <a:picLocks noChangeAspect="1" noChangeArrowheads="1"/>
+          </p:cNvPicPr>
+          <p:nvPr/>
+        </p:nvPicPr>
+        <p:blipFill>
+          <a:blip r:embed="rId2">
+            <a:extLst>
+              <a:ext uri="{28A0092B-C50C-407E-A947-70E740481C1C}">
+                <a14:useLocalDpi xmlns:a14="http://schemas.microsoft.com/office/drawing/2010/main" val="0"/>
+              </a:ext>
+            </a:extLst>
+          </a:blip>
+          <a:srcRect/>
+          <a:stretch>
+            <a:fillRect/>
+          </a:stretch>
+        </p:blipFill>
+        <p:spPr bwMode="auto">
+          <a:xfrm>
+            <a:off x="4429125" y="3782091"/>
+            <a:ext cx="3333750" cy="2381250"/>
+          </a:xfrm>
+          <a:prstGeom prst="rect">
+            <a:avLst/>
+          </a:prstGeom>
+          <a:noFill/>
+          <a:extLst>
+            <a:ext uri="{909E8E84-426E-40DD-AFC4-6F175D3DCCD1}">
+              <a14:hiddenFill xmlns:a14="http://schemas.microsoft.com/office/drawing/2010/main">
+                <a:solidFill>
+                  <a:srgbClr val="FFFFFF"/>
+                </a:solidFill>
+              </a14:hiddenFill>
+            </a:ext>
+          </a:extLst>
+        </p:spPr>
+      </p:pic>
     </p:spTree>
     <p:extLst>
       <p:ext uri="{BB962C8B-B14F-4D97-AF65-F5344CB8AC3E}">
@@ -5367,7 +5775,12 @@
             <p:ph idx="1"/>
           </p:nvPr>
         </p:nvSpPr>
-        <p:spPr/>
+        <p:spPr>
+          <a:xfrm>
+            <a:off x="1621861" y="1346670"/>
+            <a:ext cx="9495318" cy="3626046"/>
+          </a:xfrm>
+        </p:spPr>
         <p:txBody>
           <a:bodyPr/>
           <a:lstStyle/>
@@ -5416,6 +5829,53 @@
           </a:p>
         </p:txBody>
       </p:sp>
+      <p:pic>
+        <p:nvPicPr>
+          <p:cNvPr id="7170" name="Picture 2" descr="See the source image">
+            <a:extLst>
+              <a:ext uri="{FF2B5EF4-FFF2-40B4-BE49-F238E27FC236}">
+                <a16:creationId xmlns:a16="http://schemas.microsoft.com/office/drawing/2014/main" id="{542578E8-62A7-4201-E690-CD447FC76281}"/>
+              </a:ext>
+            </a:extLst>
+          </p:cNvPr>
+          <p:cNvPicPr>
+            <a:picLocks noChangeAspect="1" noChangeArrowheads="1"/>
+          </p:cNvPicPr>
+          <p:nvPr/>
+        </p:nvPicPr>
+        <p:blipFill>
+          <a:blip r:embed="rId2">
+            <a:extLst>
+              <a:ext uri="{28A0092B-C50C-407E-A947-70E740481C1C}">
+                <a14:useLocalDpi xmlns:a14="http://schemas.microsoft.com/office/drawing/2010/main" val="0"/>
+              </a:ext>
+            </a:extLst>
+          </a:blip>
+          <a:srcRect/>
+          <a:stretch>
+            <a:fillRect/>
+          </a:stretch>
+        </p:blipFill>
+        <p:spPr bwMode="auto">
+          <a:xfrm>
+            <a:off x="3737809" y="4578417"/>
+            <a:ext cx="4014537" cy="2107632"/>
+          </a:xfrm>
+          <a:prstGeom prst="rect">
+            <a:avLst/>
+          </a:prstGeom>
+          <a:noFill/>
+          <a:extLst>
+            <a:ext uri="{909E8E84-426E-40DD-AFC4-6F175D3DCCD1}">
+              <a14:hiddenFill xmlns:a14="http://schemas.microsoft.com/office/drawing/2010/main">
+                <a:solidFill>
+                  <a:srgbClr val="FFFFFF"/>
+                </a:solidFill>
+              </a14:hiddenFill>
+            </a:ext>
+          </a:extLst>
+        </p:spPr>
+      </p:pic>
     </p:spTree>
     <p:extLst>
       <p:ext uri="{BB962C8B-B14F-4D97-AF65-F5344CB8AC3E}">
